--- a/Insufficient Logging.pptx
+++ b/Insufficient Logging.pptx
@@ -8,7 +8,8 @@
     <p:sldId id="256" r:id="rId2"/>
     <p:sldId id="257" r:id="rId3"/>
     <p:sldId id="258" r:id="rId4"/>
-    <p:sldId id="259" r:id="rId5"/>
+    <p:sldId id="260" r:id="rId5"/>
+    <p:sldId id="259" r:id="rId6"/>
   </p:sldIdLst>
   <p:sldSz cx="12192000" cy="6858000"/>
   <p:notesSz cx="6858000" cy="9144000"/>
@@ -6212,6 +6213,137 @@
           <p:cNvPr id="2" name="Titel 1">
             <a:extLst>
               <a:ext uri="{FF2B5EF4-FFF2-40B4-BE49-F238E27FC236}">
+                <a16:creationId xmlns:a16="http://schemas.microsoft.com/office/drawing/2014/main" id="{A95E33FF-CAE0-48EF-9789-4263BC920D3D}"/>
+              </a:ext>
+            </a:extLst>
+          </p:cNvPr>
+          <p:cNvSpPr>
+            <a:spLocks noGrp="1"/>
+          </p:cNvSpPr>
+          <p:nvPr>
+            <p:ph type="title"/>
+          </p:nvPr>
+        </p:nvSpPr>
+        <p:spPr>
+          <a:xfrm>
+            <a:off x="677333" y="626378"/>
+            <a:ext cx="9322343" cy="1320800"/>
+          </a:xfrm>
+        </p:spPr>
+        <p:txBody>
+          <a:bodyPr>
+            <a:noAutofit/>
+          </a:bodyPr>
+          <a:lstStyle/>
+          <a:p>
+            <a:r>
+              <a:rPr lang="de-AT" sz="4500" dirty="0"/>
+              <a:t>Beispielszenario</a:t>
+            </a:r>
+            <a:endParaRPr lang="en-GB" sz="4500" dirty="0"/>
+          </a:p>
+        </p:txBody>
+      </p:sp>
+      <p:sp>
+        <p:nvSpPr>
+          <p:cNvPr id="3" name="Inhaltsplatzhalter 2">
+            <a:extLst>
+              <a:ext uri="{FF2B5EF4-FFF2-40B4-BE49-F238E27FC236}">
+                <a16:creationId xmlns:a16="http://schemas.microsoft.com/office/drawing/2014/main" id="{08908B77-AA71-4850-AEE6-B4BFCFB19FAD}"/>
+              </a:ext>
+            </a:extLst>
+          </p:cNvPr>
+          <p:cNvSpPr>
+            <a:spLocks noGrp="1"/>
+          </p:cNvSpPr>
+          <p:nvPr>
+            <p:ph idx="1"/>
+          </p:nvPr>
+        </p:nvSpPr>
+        <p:spPr>
+          <a:xfrm>
+            <a:off x="677334" y="1656522"/>
+            <a:ext cx="8596668" cy="5035825"/>
+          </a:xfrm>
+        </p:spPr>
+        <p:txBody>
+          <a:bodyPr>
+            <a:normAutofit lnSpcReduction="10000"/>
+          </a:bodyPr>
+          <a:lstStyle/>
+          <a:p>
+            <a:r>
+              <a:rPr lang="de-DE" sz="3300" dirty="0"/>
+              <a:t>Ein Angreifer testet alle User auf ein konkretes Passwort. Dies würde bei ungenügendem </a:t>
+            </a:r>
+            <a:r>
+              <a:rPr lang="de-DE" sz="3300" dirty="0" err="1"/>
+              <a:t>Logging</a:t>
+            </a:r>
+            <a:r>
+              <a:rPr lang="de-DE" sz="3300" dirty="0"/>
+              <a:t> nur als ein fehlerhafter </a:t>
+            </a:r>
+            <a:r>
+              <a:rPr lang="de-DE" sz="3300" dirty="0" err="1"/>
+              <a:t>Loginversuch</a:t>
+            </a:r>
+            <a:r>
+              <a:rPr lang="de-DE" sz="3300" dirty="0"/>
+              <a:t> pro User </a:t>
+            </a:r>
+            <a:r>
+              <a:rPr lang="de-DE" sz="3300"/>
+              <a:t>aussehen.</a:t>
+            </a:r>
+            <a:br>
+              <a:rPr lang="de-DE" sz="3300"/>
+            </a:br>
+            <a:endParaRPr lang="de-DE" sz="3300" dirty="0"/>
+          </a:p>
+          <a:p>
+            <a:r>
+              <a:rPr lang="de-DE" sz="3300" dirty="0"/>
+              <a:t>Würde man hier die IP, von der der Request kommt loggen, könnte man schnell feststellen, dass man angegriffen wurde.</a:t>
+            </a:r>
+          </a:p>
+        </p:txBody>
+      </p:sp>
+    </p:spTree>
+    <p:extLst>
+      <p:ext uri="{BB962C8B-B14F-4D97-AF65-F5344CB8AC3E}">
+        <p14:creationId xmlns:p14="http://schemas.microsoft.com/office/powerpoint/2010/main" val="461644659"/>
+      </p:ext>
+    </p:extLst>
+  </p:cSld>
+  <p:clrMapOvr>
+    <a:masterClrMapping/>
+  </p:clrMapOvr>
+</p:sld>
+</file>
+
+<file path=ppt/slides/slide5.xml><?xml version="1.0" encoding="utf-8"?>
+<p:sld xmlns:a="http://schemas.openxmlformats.org/drawingml/2006/main" xmlns:r="http://schemas.openxmlformats.org/officeDocument/2006/relationships" xmlns:p="http://schemas.openxmlformats.org/presentationml/2006/main">
+  <p:cSld>
+    <p:spTree>
+      <p:nvGrpSpPr>
+        <p:cNvPr id="1" name=""/>
+        <p:cNvGrpSpPr/>
+        <p:nvPr/>
+      </p:nvGrpSpPr>
+      <p:grpSpPr>
+        <a:xfrm>
+          <a:off x="0" y="0"/>
+          <a:ext cx="0" cy="0"/>
+          <a:chOff x="0" y="0"/>
+          <a:chExt cx="0" cy="0"/>
+        </a:xfrm>
+      </p:grpSpPr>
+      <p:sp>
+        <p:nvSpPr>
+          <p:cNvPr id="2" name="Titel 1">
+            <a:extLst>
+              <a:ext uri="{FF2B5EF4-FFF2-40B4-BE49-F238E27FC236}">
                 <a16:creationId xmlns:a16="http://schemas.microsoft.com/office/drawing/2014/main" id="{3C8D771C-C55D-424E-8DC0-115DB83EA337}"/>
               </a:ext>
             </a:extLst>
